--- a/subjects/WWW/Bazy danych - 4 zajęcia.pptx
+++ b/subjects/WWW/Bazy danych - 4 zajęcia.pptx
@@ -5,7 +5,7 @@
     <p:sldMasterId id="2147483720" r:id="rId1"/>
   </p:sldMasterIdLst>
   <p:notesMasterIdLst>
-    <p:notesMasterId r:id="rId17"/>
+    <p:notesMasterId r:id="rId16"/>
   </p:notesMasterIdLst>
   <p:sldIdLst>
     <p:sldId id="381" r:id="rId2"/>
@@ -22,7 +22,6 @@
     <p:sldId id="404" r:id="rId13"/>
     <p:sldId id="405" r:id="rId14"/>
     <p:sldId id="406" r:id="rId15"/>
-    <p:sldId id="407" r:id="rId16"/>
   </p:sldIdLst>
   <p:sldSz cx="12192000" cy="6858000"/>
   <p:notesSz cx="6858000" cy="9144000"/>
@@ -129,20 +128,12 @@
 </p:presentation>
 </file>
 
-<file path=ppt/revisionInfo.xml><?xml version="1.0" encoding="utf-8"?>
-<p1510:revInfo xmlns:a="http://schemas.openxmlformats.org/drawingml/2006/main" xmlns:r="http://schemas.openxmlformats.org/officeDocument/2006/relationships" xmlns:p1510="http://schemas.microsoft.com/office/powerpoint/2015/10/main">
-  <p1510:revLst>
-    <p1510:client id="{3298C733-EA56-44BD-B82F-19114443C032}" v="360" dt="2024-02-04T13:55:09.701"/>
-  </p1510:revLst>
-</p1510:revInfo>
-</file>
-
 <file path=ppt/changesInfos/changesInfo1.xml><?xml version="1.0" encoding="utf-8"?>
 <pc:chgInfo xmlns:a="http://schemas.openxmlformats.org/drawingml/2006/main" xmlns:r="http://schemas.openxmlformats.org/officeDocument/2006/relationships" xmlns:ac="http://schemas.microsoft.com/office/drawing/2013/main/command" xmlns:pc="http://schemas.microsoft.com/office/powerpoint/2013/main/command">
   <pc:docChgLst>
     <pc:chgData name="Patryk Serafin" userId="86fa742248e137ce" providerId="LiveId" clId="{FD119134-3DBC-4AB8-BEC6-681046D31C30}"/>
-    <pc:docChg chg="delSld">
-      <pc:chgData name="Patryk Serafin" userId="86fa742248e137ce" providerId="LiveId" clId="{FD119134-3DBC-4AB8-BEC6-681046D31C30}" dt="2024-02-04T13:56:02.400" v="1" actId="47"/>
+    <pc:docChg chg="addSld delSld modSld">
+      <pc:chgData name="Patryk Serafin" userId="86fa742248e137ce" providerId="LiveId" clId="{FD119134-3DBC-4AB8-BEC6-681046D31C30}" dt="2024-02-06T19:01:18.496" v="5"/>
       <pc:docMkLst>
         <pc:docMk/>
       </pc:docMkLst>
@@ -551,6 +542,21 @@
           <pc:docMk/>
           <pc:sldMk cId="3795601868" sldId="394"/>
         </pc:sldMkLst>
+      </pc:sldChg>
+      <pc:sldChg chg="addSp delSp add del setBg delDesignElem">
+        <pc:chgData name="Patryk Serafin" userId="86fa742248e137ce" providerId="LiveId" clId="{FD119134-3DBC-4AB8-BEC6-681046D31C30}" dt="2024-02-06T19:01:18.496" v="5"/>
+        <pc:sldMkLst>
+          <pc:docMk/>
+          <pc:sldMk cId="1509778692" sldId="408"/>
+        </pc:sldMkLst>
+        <pc:spChg chg="add del">
+          <ac:chgData name="Patryk Serafin" userId="86fa742248e137ce" providerId="LiveId" clId="{FD119134-3DBC-4AB8-BEC6-681046D31C30}" dt="2024-02-06T19:01:18.485" v="4"/>
+          <ac:spMkLst>
+            <pc:docMk/>
+            <pc:sldMk cId="1509778692" sldId="408"/>
+            <ac:spMk id="13" creationId="{92CC1E4F-F1F0-B945-BE50-C72A7103E8AC}"/>
+          </ac:spMkLst>
+        </pc:spChg>
       </pc:sldChg>
     </pc:docChg>
   </pc:docChgLst>
@@ -597,6 +603,29 @@
             <ac:spMk id="38" creationId="{3D572980-FB84-8C29-1FAC-FAC5ECE29A39}"/>
           </ac:spMkLst>
         </pc:spChg>
+      </pc:sldChg>
+    </pc:docChg>
+  </pc:docChgLst>
+  <pc:docChgLst>
+    <pc:chgData name="Serafin Patryk" userId="ce8cf8d3-b140-43f7-9541-10745587815e" providerId="ADAL" clId="{A054151B-1C72-4D9A-973D-3050965028A3}"/>
+    <pc:docChg chg="delSld">
+      <pc:chgData name="Serafin Patryk" userId="ce8cf8d3-b140-43f7-9541-10745587815e" providerId="ADAL" clId="{A054151B-1C72-4D9A-973D-3050965028A3}" dt="2024-03-06T09:02:20.864" v="1" actId="47"/>
+      <pc:docMkLst>
+        <pc:docMk/>
+      </pc:docMkLst>
+      <pc:sldChg chg="del">
+        <pc:chgData name="Serafin Patryk" userId="ce8cf8d3-b140-43f7-9541-10745587815e" providerId="ADAL" clId="{A054151B-1C72-4D9A-973D-3050965028A3}" dt="2024-03-06T09:02:20.864" v="1" actId="47"/>
+        <pc:sldMkLst>
+          <pc:docMk/>
+          <pc:sldMk cId="2995400592" sldId="407"/>
+        </pc:sldMkLst>
+      </pc:sldChg>
+      <pc:sldChg chg="del">
+        <pc:chgData name="Serafin Patryk" userId="ce8cf8d3-b140-43f7-9541-10745587815e" providerId="ADAL" clId="{A054151B-1C72-4D9A-973D-3050965028A3}" dt="2024-03-06T09:02:18.775" v="0" actId="47"/>
+        <pc:sldMkLst>
+          <pc:docMk/>
+          <pc:sldMk cId="1509778692" sldId="408"/>
+        </pc:sldMkLst>
       </pc:sldChg>
     </pc:docChg>
   </pc:docChgLst>
@@ -6250,7 +6279,7 @@
           <a:p>
             <a:fld id="{648B3C1D-5755-4177-931D-38D740BDF3D2}" type="datetimeFigureOut">
               <a:rPr lang="pl-PL" smtClean="0"/>
-              <a:t>04.02.2024</a:t>
+              <a:t>06.03.2024</a:t>
             </a:fld>
             <a:endParaRPr lang="pl-PL"/>
           </a:p>
@@ -7510,7 +7539,7 @@
           <a:p>
             <a:fld id="{999A8DD2-C443-44AD-85B3-4CE72B962C5F}" type="datetimeFigureOut">
               <a:rPr lang="en-US" smtClean="0"/>
-              <a:t>2/4/2024</a:t>
+              <a:t>3/6/2024</a:t>
             </a:fld>
             <a:endParaRPr lang="en-US"/>
           </a:p>
@@ -7718,7 +7747,7 @@
           <a:p>
             <a:fld id="{999A8DD2-C443-44AD-85B3-4CE72B962C5F}" type="datetimeFigureOut">
               <a:rPr lang="en-US" smtClean="0"/>
-              <a:t>2/4/2024</a:t>
+              <a:t>3/6/2024</a:t>
             </a:fld>
             <a:endParaRPr lang="en-US"/>
           </a:p>
@@ -7926,7 +7955,7 @@
           <a:p>
             <a:fld id="{999A8DD2-C443-44AD-85B3-4CE72B962C5F}" type="datetimeFigureOut">
               <a:rPr lang="en-US" smtClean="0"/>
-              <a:t>2/4/2024</a:t>
+              <a:t>3/6/2024</a:t>
             </a:fld>
             <a:endParaRPr lang="en-US"/>
           </a:p>
@@ -8124,7 +8153,7 @@
           <a:p>
             <a:fld id="{999A8DD2-C443-44AD-85B3-4CE72B962C5F}" type="datetimeFigureOut">
               <a:rPr lang="en-US" smtClean="0"/>
-              <a:t>2/4/2024</a:t>
+              <a:t>3/6/2024</a:t>
             </a:fld>
             <a:endParaRPr lang="en-US"/>
           </a:p>
@@ -8402,7 +8431,7 @@
           <a:p>
             <a:fld id="{999A8DD2-C443-44AD-85B3-4CE72B962C5F}" type="datetimeFigureOut">
               <a:rPr lang="en-US" smtClean="0"/>
-              <a:t>2/4/2024</a:t>
+              <a:t>3/6/2024</a:t>
             </a:fld>
             <a:endParaRPr lang="en-US"/>
           </a:p>
@@ -8674,7 +8703,7 @@
           <a:p>
             <a:fld id="{999A8DD2-C443-44AD-85B3-4CE72B962C5F}" type="datetimeFigureOut">
               <a:rPr lang="en-US" smtClean="0"/>
-              <a:t>2/4/2024</a:t>
+              <a:t>3/6/2024</a:t>
             </a:fld>
             <a:endParaRPr lang="en-US"/>
           </a:p>
@@ -9098,7 +9127,7 @@
           <a:p>
             <a:fld id="{999A8DD2-C443-44AD-85B3-4CE72B962C5F}" type="datetimeFigureOut">
               <a:rPr lang="en-US" smtClean="0"/>
-              <a:t>2/4/2024</a:t>
+              <a:t>3/6/2024</a:t>
             </a:fld>
             <a:endParaRPr lang="en-US"/>
           </a:p>
@@ -9239,7 +9268,7 @@
           <a:p>
             <a:fld id="{999A8DD2-C443-44AD-85B3-4CE72B962C5F}" type="datetimeFigureOut">
               <a:rPr lang="en-US" smtClean="0"/>
-              <a:t>2/4/2024</a:t>
+              <a:t>3/6/2024</a:t>
             </a:fld>
             <a:endParaRPr lang="en-US"/>
           </a:p>
@@ -9352,7 +9381,7 @@
           <a:p>
             <a:fld id="{999A8DD2-C443-44AD-85B3-4CE72B962C5F}" type="datetimeFigureOut">
               <a:rPr lang="en-US" smtClean="0"/>
-              <a:t>2/4/2024</a:t>
+              <a:t>3/6/2024</a:t>
             </a:fld>
             <a:endParaRPr lang="en-US"/>
           </a:p>
@@ -9671,7 +9700,7 @@
           <a:p>
             <a:fld id="{999A8DD2-C443-44AD-85B3-4CE72B962C5F}" type="datetimeFigureOut">
               <a:rPr lang="en-US" smtClean="0"/>
-              <a:t>2/4/2024</a:t>
+              <a:t>3/6/2024</a:t>
             </a:fld>
             <a:endParaRPr lang="en-US"/>
           </a:p>
@@ -9965,7 +9994,7 @@
           <a:p>
             <a:fld id="{999A8DD2-C443-44AD-85B3-4CE72B962C5F}" type="datetimeFigureOut">
               <a:rPr lang="en-US" smtClean="0"/>
-              <a:t>2/4/2024</a:t>
+              <a:t>3/6/2024</a:t>
             </a:fld>
             <a:endParaRPr lang="en-US"/>
           </a:p>
@@ -10205,7 +10234,7 @@
           <a:p>
             <a:fld id="{999A8DD2-C443-44AD-85B3-4CE72B962C5F}" type="datetimeFigureOut">
               <a:rPr lang="en-US" smtClean="0"/>
-              <a:t>2/4/2024</a:t>
+              <a:t>3/6/2024</a:t>
             </a:fld>
             <a:endParaRPr lang="en-US"/>
           </a:p>
@@ -12108,167 +12137,6 @@
     <p:extLst>
       <p:ext uri="{BB962C8B-B14F-4D97-AF65-F5344CB8AC3E}">
         <p14:creationId xmlns:p14="http://schemas.microsoft.com/office/powerpoint/2010/main" val="1175490119"/>
-      </p:ext>
-    </p:extLst>
-  </p:cSld>
-  <p:clrMapOvr>
-    <a:masterClrMapping/>
-  </p:clrMapOvr>
-</p:sld>
-</file>
-
-<file path=ppt/slides/slide15.xml><?xml version="1.0" encoding="utf-8"?>
-<p:sld xmlns:a="http://schemas.openxmlformats.org/drawingml/2006/main" xmlns:r="http://schemas.openxmlformats.org/officeDocument/2006/relationships" xmlns:p="http://schemas.openxmlformats.org/presentationml/2006/main">
-  <p:cSld>
-    <p:spTree>
-      <p:nvGrpSpPr>
-        <p:cNvPr id="1" name="">
-          <a:extLst>
-            <a:ext uri="{FF2B5EF4-FFF2-40B4-BE49-F238E27FC236}">
-              <a16:creationId xmlns:a16="http://schemas.microsoft.com/office/drawing/2014/main" id="{CEEBD4E1-701D-4821-FBF8-48E3C9465E2A}"/>
-            </a:ext>
-          </a:extLst>
-        </p:cNvPr>
-        <p:cNvGrpSpPr/>
-        <p:nvPr/>
-      </p:nvGrpSpPr>
-      <p:grpSpPr>
-        <a:xfrm>
-          <a:off x="0" y="0"/>
-          <a:ext cx="0" cy="0"/>
-          <a:chOff x="0" y="0"/>
-          <a:chExt cx="0" cy="0"/>
-        </a:xfrm>
-      </p:grpSpPr>
-      <p:pic>
-        <p:nvPicPr>
-          <p:cNvPr id="4" name="Picture 3" descr="Okulary na wierzchu książki">
-            <a:extLst>
-              <a:ext uri="{FF2B5EF4-FFF2-40B4-BE49-F238E27FC236}">
-                <a16:creationId xmlns:a16="http://schemas.microsoft.com/office/drawing/2014/main" id="{3523BE54-FDEF-EE75-F56E-3FA6B59111F4}"/>
-              </a:ext>
-            </a:extLst>
-          </p:cNvPr>
-          <p:cNvPicPr>
-            <a:picLocks noChangeAspect="1"/>
-          </p:cNvPicPr>
-          <p:nvPr/>
-        </p:nvPicPr>
-        <p:blipFill rotWithShape="1">
-          <a:blip r:embed="rId2"/>
-          <a:srcRect t="14112" b="983"/>
-          <a:stretch/>
-        </p:blipFill>
-        <p:spPr>
-          <a:xfrm>
-            <a:off x="20" y="-1"/>
-            <a:ext cx="12191980" cy="6858001"/>
-          </a:xfrm>
-          <a:prstGeom prst="rect">
-            <a:avLst/>
-          </a:prstGeom>
-        </p:spPr>
-      </p:pic>
-      <p:sp>
-        <p:nvSpPr>
-          <p:cNvPr id="2" name="Tytuł 1">
-            <a:extLst>
-              <a:ext uri="{FF2B5EF4-FFF2-40B4-BE49-F238E27FC236}">
-                <a16:creationId xmlns:a16="http://schemas.microsoft.com/office/drawing/2014/main" id="{8E447F69-EA22-3BB4-5340-C6AFCD562172}"/>
-              </a:ext>
-            </a:extLst>
-          </p:cNvPr>
-          <p:cNvSpPr>
-            <a:spLocks noGrp="1"/>
-          </p:cNvSpPr>
-          <p:nvPr>
-            <p:ph type="title"/>
-          </p:nvPr>
-        </p:nvSpPr>
-        <p:spPr>
-          <a:xfrm>
-            <a:off x="626918" y="3429000"/>
-            <a:ext cx="4506064" cy="1888742"/>
-          </a:xfrm>
-        </p:spPr>
-        <p:txBody>
-          <a:bodyPr vert="horz" lIns="91440" tIns="45720" rIns="91440" bIns="45720" rtlCol="0" anchor="b">
-            <a:normAutofit/>
-          </a:bodyPr>
-          <a:lstStyle/>
-          <a:p>
-            <a:r>
-              <a:rPr lang="en-US" sz="4000" dirty="0" err="1">
-                <a:solidFill>
-                  <a:schemeClr val="bg1"/>
-                </a:solidFill>
-                <a:hlinkClick r:id="rId3">
-                  <a:extLst>
-                    <a:ext uri="{A12FA001-AC4F-418D-AE19-62706E023703}">
-                      <ahyp:hlinkClr xmlns:ahyp="http://schemas.microsoft.com/office/drawing/2018/hyperlinkcolor" val="tx"/>
-                    </a:ext>
-                  </a:extLst>
-                </a:hlinkClick>
-              </a:rPr>
-              <a:t>Sprawdź</a:t>
-            </a:r>
-            <a:r>
-              <a:rPr lang="en-US" sz="4000" dirty="0">
-                <a:solidFill>
-                  <a:schemeClr val="bg1"/>
-                </a:solidFill>
-                <a:hlinkClick r:id="rId3">
-                  <a:extLst>
-                    <a:ext uri="{A12FA001-AC4F-418D-AE19-62706E023703}">
-                      <ahyp:hlinkClr xmlns:ahyp="http://schemas.microsoft.com/office/drawing/2018/hyperlinkcolor" val="tx"/>
-                    </a:ext>
-                  </a:extLst>
-                </a:hlinkClick>
-              </a:rPr>
-              <a:t> </a:t>
-            </a:r>
-            <a:r>
-              <a:rPr lang="en-US" sz="4000" dirty="0" err="1">
-                <a:solidFill>
-                  <a:schemeClr val="bg1"/>
-                </a:solidFill>
-                <a:hlinkClick r:id="rId3">
-                  <a:extLst>
-                    <a:ext uri="{A12FA001-AC4F-418D-AE19-62706E023703}">
-                      <ahyp:hlinkClr xmlns:ahyp="http://schemas.microsoft.com/office/drawing/2018/hyperlinkcolor" val="tx"/>
-                    </a:ext>
-                  </a:extLst>
-                </a:hlinkClick>
-              </a:rPr>
-              <a:t>siebie</a:t>
-            </a:r>
-            <a:r>
-              <a:rPr lang="en-US" sz="4000" dirty="0">
-                <a:solidFill>
-                  <a:schemeClr val="bg1"/>
-                </a:solidFill>
-                <a:hlinkClick r:id="rId3">
-                  <a:extLst>
-                    <a:ext uri="{A12FA001-AC4F-418D-AE19-62706E023703}">
-                      <ahyp:hlinkClr xmlns:ahyp="http://schemas.microsoft.com/office/drawing/2018/hyperlinkcolor" val="tx"/>
-                    </a:ext>
-                  </a:extLst>
-                </a:hlinkClick>
-              </a:rPr>
-              <a:t>!</a:t>
-            </a:r>
-            <a:endParaRPr lang="en-US" sz="4000" dirty="0">
-              <a:solidFill>
-                <a:schemeClr val="bg1"/>
-              </a:solidFill>
-            </a:endParaRPr>
-          </a:p>
-        </p:txBody>
-      </p:sp>
-    </p:spTree>
-    <p:extLst>
-      <p:ext uri="{BB962C8B-B14F-4D97-AF65-F5344CB8AC3E}">
-        <p14:creationId xmlns:p14="http://schemas.microsoft.com/office/powerpoint/2010/main" val="2995400592"/>
       </p:ext>
     </p:extLst>
   </p:cSld>
